--- a/Session2/ppt/[TA2-2] Intro to Data Structure and Algorithms.pptx
+++ b/Session2/ppt/[TA2-2] Intro to Data Structure and Algorithms.pptx
@@ -244,7 +244,7 @@
           <a:p>
             <a:fld id="{7A6B77AA-7177-4D50-AB49-C260886B6169}" type="datetimeFigureOut">
               <a:rPr lang="ko-KR" altLang="en-US" smtClean="0"/>
-              <a:t>2017-07-14</a:t>
+              <a:t>2017-09-25</a:t>
             </a:fld>
             <a:endParaRPr lang="ko-KR" altLang="en-US"/>
           </a:p>
@@ -693,7 +693,7 @@
           <a:p>
             <a:fld id="{1179C0B5-9E42-4E82-BD73-9C37117B84AF}" type="datetimeFigureOut">
               <a:rPr lang="ko-KR" altLang="en-US" smtClean="0"/>
-              <a:t>2017-07-14</a:t>
+              <a:t>2017-09-25</a:t>
             </a:fld>
             <a:endParaRPr lang="ko-KR" altLang="en-US"/>
           </a:p>
@@ -863,7 +863,7 @@
           <a:p>
             <a:fld id="{1179C0B5-9E42-4E82-BD73-9C37117B84AF}" type="datetimeFigureOut">
               <a:rPr lang="ko-KR" altLang="en-US" smtClean="0"/>
-              <a:t>2017-07-14</a:t>
+              <a:t>2017-09-25</a:t>
             </a:fld>
             <a:endParaRPr lang="ko-KR" altLang="en-US"/>
           </a:p>
@@ -1043,7 +1043,7 @@
           <a:p>
             <a:fld id="{1179C0B5-9E42-4E82-BD73-9C37117B84AF}" type="datetimeFigureOut">
               <a:rPr lang="ko-KR" altLang="en-US" smtClean="0"/>
-              <a:t>2017-07-14</a:t>
+              <a:t>2017-09-25</a:t>
             </a:fld>
             <a:endParaRPr lang="ko-KR" altLang="en-US"/>
           </a:p>
@@ -1213,7 +1213,7 @@
           <a:p>
             <a:fld id="{1179C0B5-9E42-4E82-BD73-9C37117B84AF}" type="datetimeFigureOut">
               <a:rPr lang="ko-KR" altLang="en-US" smtClean="0"/>
-              <a:t>2017-07-14</a:t>
+              <a:t>2017-09-25</a:t>
             </a:fld>
             <a:endParaRPr lang="ko-KR" altLang="en-US"/>
           </a:p>
@@ -1459,7 +1459,7 @@
           <a:p>
             <a:fld id="{1179C0B5-9E42-4E82-BD73-9C37117B84AF}" type="datetimeFigureOut">
               <a:rPr lang="ko-KR" altLang="en-US" smtClean="0"/>
-              <a:t>2017-07-14</a:t>
+              <a:t>2017-09-25</a:t>
             </a:fld>
             <a:endParaRPr lang="ko-KR" altLang="en-US"/>
           </a:p>
@@ -1747,7 +1747,7 @@
           <a:p>
             <a:fld id="{1179C0B5-9E42-4E82-BD73-9C37117B84AF}" type="datetimeFigureOut">
               <a:rPr lang="ko-KR" altLang="en-US" smtClean="0"/>
-              <a:t>2017-07-14</a:t>
+              <a:t>2017-09-25</a:t>
             </a:fld>
             <a:endParaRPr lang="ko-KR" altLang="en-US"/>
           </a:p>
@@ -2169,7 +2169,7 @@
           <a:p>
             <a:fld id="{1179C0B5-9E42-4E82-BD73-9C37117B84AF}" type="datetimeFigureOut">
               <a:rPr lang="ko-KR" altLang="en-US" smtClean="0"/>
-              <a:t>2017-07-14</a:t>
+              <a:t>2017-09-25</a:t>
             </a:fld>
             <a:endParaRPr lang="ko-KR" altLang="en-US"/>
           </a:p>
@@ -2287,7 +2287,7 @@
           <a:p>
             <a:fld id="{1179C0B5-9E42-4E82-BD73-9C37117B84AF}" type="datetimeFigureOut">
               <a:rPr lang="ko-KR" altLang="en-US" smtClean="0"/>
-              <a:t>2017-07-14</a:t>
+              <a:t>2017-09-25</a:t>
             </a:fld>
             <a:endParaRPr lang="ko-KR" altLang="en-US"/>
           </a:p>
@@ -2382,7 +2382,7 @@
           <a:p>
             <a:fld id="{1179C0B5-9E42-4E82-BD73-9C37117B84AF}" type="datetimeFigureOut">
               <a:rPr lang="ko-KR" altLang="en-US" smtClean="0"/>
-              <a:t>2017-07-14</a:t>
+              <a:t>2017-09-25</a:t>
             </a:fld>
             <a:endParaRPr lang="ko-KR" altLang="en-US"/>
           </a:p>
@@ -2659,7 +2659,7 @@
           <a:p>
             <a:fld id="{1179C0B5-9E42-4E82-BD73-9C37117B84AF}" type="datetimeFigureOut">
               <a:rPr lang="ko-KR" altLang="en-US" smtClean="0"/>
-              <a:t>2017-07-14</a:t>
+              <a:t>2017-09-25</a:t>
             </a:fld>
             <a:endParaRPr lang="ko-KR" altLang="en-US"/>
           </a:p>
@@ -2912,7 +2912,7 @@
           <a:p>
             <a:fld id="{1179C0B5-9E42-4E82-BD73-9C37117B84AF}" type="datetimeFigureOut">
               <a:rPr lang="ko-KR" altLang="en-US" smtClean="0"/>
-              <a:t>2017-07-14</a:t>
+              <a:t>2017-09-25</a:t>
             </a:fld>
             <a:endParaRPr lang="ko-KR" altLang="en-US"/>
           </a:p>
@@ -3125,7 +3125,7 @@
           <a:p>
             <a:fld id="{1179C0B5-9E42-4E82-BD73-9C37117B84AF}" type="datetimeFigureOut">
               <a:rPr lang="ko-KR" altLang="en-US" smtClean="0"/>
-              <a:t>2017-07-14</a:t>
+              <a:t>2017-09-25</a:t>
             </a:fld>
             <a:endParaRPr lang="ko-KR" altLang="en-US"/>
           </a:p>
@@ -3665,76 +3665,6 @@
               <a:t>- Basics</a:t>
             </a:r>
             <a:endParaRPr lang="ko-KR" altLang="en-US" sz="4000" b="1" dirty="0">
-              <a:gradFill>
-                <a:gsLst>
-                  <a:gs pos="0">
-                    <a:schemeClr val="tx1">
-                      <a:lumMod val="65000"/>
-                      <a:lumOff val="35000"/>
-                    </a:schemeClr>
-                  </a:gs>
-                  <a:gs pos="100000">
-                    <a:schemeClr val="tx1">
-                      <a:lumMod val="65000"/>
-                      <a:lumOff val="35000"/>
-                    </a:schemeClr>
-                  </a:gs>
-                </a:gsLst>
-                <a:lin ang="5400000" scaled="0"/>
-              </a:gradFill>
-              <a:latin typeface="Arial" pitchFamily="34" charset="0"/>
-              <a:cs typeface="Arial" pitchFamily="34" charset="0"/>
-            </a:endParaRPr>
-          </a:p>
-        </p:txBody>
-      </p:sp>
-      <p:sp>
-        <p:nvSpPr>
-          <p:cNvPr id="6" name="TextBox 5"/>
-          <p:cNvSpPr txBox="1"/>
-          <p:nvPr/>
-        </p:nvSpPr>
-        <p:spPr>
-          <a:xfrm>
-            <a:off x="854185" y="3510300"/>
-            <a:ext cx="1402948" cy="369332"/>
-          </a:xfrm>
-          <a:prstGeom prst="rect">
-            <a:avLst/>
-          </a:prstGeom>
-          <a:noFill/>
-        </p:spPr>
-        <p:txBody>
-          <a:bodyPr wrap="none" rtlCol="0">
-            <a:spAutoFit/>
-          </a:bodyPr>
-          <a:lstStyle/>
-          <a:p>
-            <a:r>
-              <a:rPr lang="ko-KR" altLang="en-US" dirty="0" smtClean="0">
-                <a:gradFill>
-                  <a:gsLst>
-                    <a:gs pos="0">
-                      <a:schemeClr val="tx1">
-                        <a:lumMod val="65000"/>
-                        <a:lumOff val="35000"/>
-                      </a:schemeClr>
-                    </a:gs>
-                    <a:gs pos="100000">
-                      <a:schemeClr val="tx1">
-                        <a:lumMod val="65000"/>
-                        <a:lumOff val="35000"/>
-                      </a:schemeClr>
-                    </a:gs>
-                  </a:gsLst>
-                  <a:lin ang="5400000" scaled="0"/>
-                </a:gradFill>
-                <a:latin typeface="Arial" pitchFamily="34" charset="0"/>
-                <a:cs typeface="Arial" pitchFamily="34" charset="0"/>
-              </a:rPr>
-              <a:t>박진수 교수</a:t>
-            </a:r>
-            <a:endParaRPr lang="ko-KR" altLang="en-US" dirty="0">
               <a:gradFill>
                 <a:gsLst>
                   <a:gs pos="0">
@@ -21502,8 +21432,8 @@
           </a:p>
         </p:txBody>
       </p:sp>
-      <mc:AlternateContent xmlns:mc="http://schemas.openxmlformats.org/markup-compatibility/2006">
-        <mc:Choice xmlns:a14="http://schemas.microsoft.com/office/drawing/2010/main" Requires="a14">
+      <mc:AlternateContent xmlns:mc="http://schemas.openxmlformats.org/markup-compatibility/2006" xmlns:a14="http://schemas.microsoft.com/office/drawing/2010/main">
+        <mc:Choice Requires="a14">
           <p:sp>
             <p:nvSpPr>
               <p:cNvPr id="12" name="TextBox 11"/>
@@ -21723,7 +21653,7 @@
             </p:txBody>
           </p:sp>
         </mc:Choice>
-        <mc:Fallback>
+        <mc:Fallback xmlns="">
           <p:sp>
             <p:nvSpPr>
               <p:cNvPr id="12" name="TextBox 11"/>
@@ -23293,31 +23223,7 @@
                 <a:latin typeface="Arial" pitchFamily="34" charset="0"/>
                 <a:cs typeface="Arial" pitchFamily="34" charset="0"/>
               </a:rPr>
-              <a:t>그래프의 </a:t>
-            </a:r>
-            <a:r>
-              <a:rPr lang="ko-KR" altLang="en-US" sz="1400" dirty="0" smtClean="0">
-                <a:gradFill>
-                  <a:gsLst>
-                    <a:gs pos="0">
-                      <a:schemeClr val="tx1">
-                        <a:lumMod val="65000"/>
-                        <a:lumOff val="35000"/>
-                      </a:schemeClr>
-                    </a:gs>
-                    <a:gs pos="100000">
-                      <a:schemeClr val="tx1">
-                        <a:lumMod val="65000"/>
-                        <a:lumOff val="35000"/>
-                      </a:schemeClr>
-                    </a:gs>
-                  </a:gsLst>
-                  <a:lin ang="5400000" scaled="0"/>
-                </a:gradFill>
-                <a:latin typeface="Arial" pitchFamily="34" charset="0"/>
-                <a:cs typeface="Arial" pitchFamily="34" charset="0"/>
-              </a:rPr>
-              <a:t>분류</a:t>
+              <a:t>그래프의 분류</a:t>
             </a:r>
             <a:endParaRPr lang="ko-KR" altLang="en-US" sz="1400" dirty="0">
               <a:gradFill>
@@ -23389,8 +23295,8 @@
           </a:p>
         </p:txBody>
       </p:sp>
-      <mc:AlternateContent xmlns:mc="http://schemas.openxmlformats.org/markup-compatibility/2006">
-        <mc:Choice xmlns:a14="http://schemas.microsoft.com/office/drawing/2010/main" Requires="a14">
+      <mc:AlternateContent xmlns:mc="http://schemas.openxmlformats.org/markup-compatibility/2006" xmlns:a14="http://schemas.microsoft.com/office/drawing/2010/main">
+        <mc:Choice Requires="a14">
           <p:sp>
             <p:nvSpPr>
               <p:cNvPr id="12" name="TextBox 11"/>
@@ -23514,7 +23420,7 @@
             </p:txBody>
           </p:sp>
         </mc:Choice>
-        <mc:Fallback>
+        <mc:Fallback xmlns="">
           <p:sp>
             <p:nvSpPr>
               <p:cNvPr id="12" name="TextBox 11"/>
@@ -23597,31 +23503,7 @@
                 <a:latin typeface="Arial" pitchFamily="34" charset="0"/>
                 <a:cs typeface="Arial" pitchFamily="34" charset="0"/>
               </a:rPr>
-              <a:t>■ </a:t>
-            </a:r>
-            <a:r>
-              <a:rPr lang="ko-KR" altLang="en-US" sz="1200" dirty="0" smtClean="0">
-                <a:gradFill>
-                  <a:gsLst>
-                    <a:gs pos="0">
-                      <a:schemeClr val="tx1">
-                        <a:lumMod val="65000"/>
-                        <a:lumOff val="35000"/>
-                      </a:schemeClr>
-                    </a:gs>
-                    <a:gs pos="100000">
-                      <a:schemeClr val="tx1">
-                        <a:lumMod val="65000"/>
-                        <a:lumOff val="35000"/>
-                      </a:schemeClr>
-                    </a:gs>
-                  </a:gsLst>
-                  <a:lin ang="5400000" scaled="0"/>
-                </a:gradFill>
-                <a:latin typeface="Arial" pitchFamily="34" charset="0"/>
-                <a:cs typeface="Arial" pitchFamily="34" charset="0"/>
-              </a:rPr>
-              <a:t>성긴 그래프</a:t>
+              <a:t>■ 성긴 그래프</a:t>
             </a:r>
             <a:r>
               <a:rPr lang="en-US" altLang="ko-KR" sz="1200" dirty="0" smtClean="0">
@@ -23739,31 +23621,7 @@
                 <a:latin typeface="Arial" pitchFamily="34" charset="0"/>
                 <a:cs typeface="Arial" pitchFamily="34" charset="0"/>
               </a:rPr>
-              <a:t>■ </a:t>
-            </a:r>
-            <a:r>
-              <a:rPr lang="ko-KR" altLang="en-US" sz="1200" dirty="0" smtClean="0">
-                <a:gradFill>
-                  <a:gsLst>
-                    <a:gs pos="0">
-                      <a:schemeClr val="tx1">
-                        <a:lumMod val="65000"/>
-                        <a:lumOff val="35000"/>
-                      </a:schemeClr>
-                    </a:gs>
-                    <a:gs pos="100000">
-                      <a:schemeClr val="tx1">
-                        <a:lumMod val="65000"/>
-                        <a:lumOff val="35000"/>
-                      </a:schemeClr>
-                    </a:gs>
-                  </a:gsLst>
-                  <a:lin ang="5400000" scaled="0"/>
-                </a:gradFill>
-                <a:latin typeface="Arial" pitchFamily="34" charset="0"/>
-                <a:cs typeface="Arial" pitchFamily="34" charset="0"/>
-              </a:rPr>
-              <a:t>빽빽한 그래프</a:t>
+              <a:t>■ 빽빽한 그래프</a:t>
             </a:r>
             <a:r>
               <a:rPr lang="en-US" altLang="ko-KR" sz="1200" dirty="0" smtClean="0">
@@ -23881,31 +23739,7 @@
                 <a:latin typeface="Arial" pitchFamily="34" charset="0"/>
                 <a:cs typeface="Arial" pitchFamily="34" charset="0"/>
               </a:rPr>
-              <a:t>■ </a:t>
-            </a:r>
-            <a:r>
-              <a:rPr lang="ko-KR" altLang="en-US" sz="1200" dirty="0" smtClean="0">
-                <a:gradFill>
-                  <a:gsLst>
-                    <a:gs pos="0">
-                      <a:schemeClr val="tx1">
-                        <a:lumMod val="65000"/>
-                        <a:lumOff val="35000"/>
-                      </a:schemeClr>
-                    </a:gs>
-                    <a:gs pos="100000">
-                      <a:schemeClr val="tx1">
-                        <a:lumMod val="65000"/>
-                        <a:lumOff val="35000"/>
-                      </a:schemeClr>
-                    </a:gs>
-                  </a:gsLst>
-                  <a:lin ang="5400000" scaled="0"/>
-                </a:gradFill>
-                <a:latin typeface="Arial" pitchFamily="34" charset="0"/>
-                <a:cs typeface="Arial" pitchFamily="34" charset="0"/>
-              </a:rPr>
-              <a:t>완전한 그래프</a:t>
+              <a:t>■ 완전한 그래프</a:t>
             </a:r>
             <a:r>
               <a:rPr lang="en-US" altLang="ko-KR" sz="1200" dirty="0" smtClean="0">
@@ -24344,31 +24178,7 @@
                 <a:latin typeface="Arial" pitchFamily="34" charset="0"/>
                 <a:cs typeface="Arial" pitchFamily="34" charset="0"/>
               </a:rPr>
-              <a:t>그래프의 </a:t>
-            </a:r>
-            <a:r>
-              <a:rPr lang="ko-KR" altLang="en-US" sz="1400" dirty="0" smtClean="0">
-                <a:gradFill>
-                  <a:gsLst>
-                    <a:gs pos="0">
-                      <a:schemeClr val="tx1">
-                        <a:lumMod val="65000"/>
-                        <a:lumOff val="35000"/>
-                      </a:schemeClr>
-                    </a:gs>
-                    <a:gs pos="100000">
-                      <a:schemeClr val="tx1">
-                        <a:lumMod val="65000"/>
-                        <a:lumOff val="35000"/>
-                      </a:schemeClr>
-                    </a:gs>
-                  </a:gsLst>
-                  <a:lin ang="5400000" scaled="0"/>
-                </a:gradFill>
-                <a:latin typeface="Arial" pitchFamily="34" charset="0"/>
-                <a:cs typeface="Arial" pitchFamily="34" charset="0"/>
-              </a:rPr>
-              <a:t>분류</a:t>
+              <a:t>그래프의 분류</a:t>
             </a:r>
             <a:endParaRPr lang="ko-KR" altLang="en-US" sz="1400" dirty="0">
               <a:gradFill>
@@ -24578,55 +24388,7 @@
                 <a:latin typeface="Arial" pitchFamily="34" charset="0"/>
                 <a:cs typeface="Arial" pitchFamily="34" charset="0"/>
               </a:rPr>
-              <a:t>■ </a:t>
-            </a:r>
-            <a:r>
-              <a:rPr lang="ko-KR" altLang="en-US" sz="1200" dirty="0" smtClean="0">
-                <a:gradFill>
-                  <a:gsLst>
-                    <a:gs pos="0">
-                      <a:schemeClr val="tx1">
-                        <a:lumMod val="65000"/>
-                        <a:lumOff val="35000"/>
-                      </a:schemeClr>
-                    </a:gs>
-                    <a:gs pos="100000">
-                      <a:schemeClr val="tx1">
-                        <a:lumMod val="65000"/>
-                        <a:lumOff val="35000"/>
-                      </a:schemeClr>
-                    </a:gs>
-                  </a:gsLst>
-                  <a:lin ang="5400000" scaled="0"/>
-                </a:gradFill>
-                <a:latin typeface="Arial" pitchFamily="34" charset="0"/>
-                <a:cs typeface="Arial" pitchFamily="34" charset="0"/>
-              </a:rPr>
-              <a:t>방향 있는</a:t>
-            </a:r>
-            <a:r>
-              <a:rPr lang="ko-KR" altLang="en-US" sz="1200" dirty="0" smtClean="0">
-                <a:gradFill>
-                  <a:gsLst>
-                    <a:gs pos="0">
-                      <a:schemeClr val="tx1">
-                        <a:lumMod val="65000"/>
-                        <a:lumOff val="35000"/>
-                      </a:schemeClr>
-                    </a:gs>
-                    <a:gs pos="100000">
-                      <a:schemeClr val="tx1">
-                        <a:lumMod val="65000"/>
-                        <a:lumOff val="35000"/>
-                      </a:schemeClr>
-                    </a:gs>
-                  </a:gsLst>
-                  <a:lin ang="5400000" scaled="0"/>
-                </a:gradFill>
-                <a:latin typeface="Arial" pitchFamily="34" charset="0"/>
-                <a:cs typeface="Arial" pitchFamily="34" charset="0"/>
-              </a:rPr>
-              <a:t> 그래프</a:t>
+              <a:t>■ 방향 있는 그래프</a:t>
             </a:r>
             <a:r>
               <a:rPr lang="en-US" altLang="ko-KR" sz="1200" dirty="0" smtClean="0">
@@ -24744,31 +24506,7 @@
                 <a:latin typeface="Arial" pitchFamily="34" charset="0"/>
                 <a:cs typeface="Arial" pitchFamily="34" charset="0"/>
               </a:rPr>
-              <a:t>■ </a:t>
-            </a:r>
-            <a:r>
-              <a:rPr lang="ko-KR" altLang="en-US" sz="1200" dirty="0" smtClean="0">
-                <a:gradFill>
-                  <a:gsLst>
-                    <a:gs pos="0">
-                      <a:schemeClr val="tx1">
-                        <a:lumMod val="65000"/>
-                        <a:lumOff val="35000"/>
-                      </a:schemeClr>
-                    </a:gs>
-                    <a:gs pos="100000">
-                      <a:schemeClr val="tx1">
-                        <a:lumMod val="65000"/>
-                        <a:lumOff val="35000"/>
-                      </a:schemeClr>
-                    </a:gs>
-                  </a:gsLst>
-                  <a:lin ang="5400000" scaled="0"/>
-                </a:gradFill>
-                <a:latin typeface="Arial" pitchFamily="34" charset="0"/>
-                <a:cs typeface="Arial" pitchFamily="34" charset="0"/>
-              </a:rPr>
-              <a:t>방향 없는 그래프</a:t>
+              <a:t>■ 방향 없는 그래프</a:t>
             </a:r>
             <a:r>
               <a:rPr lang="en-US" altLang="ko-KR" sz="1200" dirty="0" smtClean="0">
@@ -25135,31 +24873,7 @@
                 <a:latin typeface="Arial" pitchFamily="34" charset="0"/>
                 <a:cs typeface="Arial" pitchFamily="34" charset="0"/>
               </a:rPr>
-              <a:t>그래프의 </a:t>
-            </a:r>
-            <a:r>
-              <a:rPr lang="ko-KR" altLang="en-US" sz="1400" dirty="0" smtClean="0">
-                <a:gradFill>
-                  <a:gsLst>
-                    <a:gs pos="0">
-                      <a:schemeClr val="tx1">
-                        <a:lumMod val="65000"/>
-                        <a:lumOff val="35000"/>
-                      </a:schemeClr>
-                    </a:gs>
-                    <a:gs pos="100000">
-                      <a:schemeClr val="tx1">
-                        <a:lumMod val="65000"/>
-                        <a:lumOff val="35000"/>
-                      </a:schemeClr>
-                    </a:gs>
-                  </a:gsLst>
-                  <a:lin ang="5400000" scaled="0"/>
-                </a:gradFill>
-                <a:latin typeface="Arial" pitchFamily="34" charset="0"/>
-                <a:cs typeface="Arial" pitchFamily="34" charset="0"/>
-              </a:rPr>
-              <a:t>분류</a:t>
+              <a:t>그래프의 분류</a:t>
             </a:r>
             <a:endParaRPr lang="ko-KR" altLang="en-US" sz="1400" dirty="0">
               <a:gradFill>
@@ -25924,31 +25638,7 @@
                 <a:latin typeface="Arial" pitchFamily="34" charset="0"/>
                 <a:cs typeface="Arial" pitchFamily="34" charset="0"/>
               </a:rPr>
-              <a:t> </a:t>
-            </a:r>
-            <a:r>
-              <a:rPr lang="en-US" altLang="ko-KR" sz="1400" dirty="0" smtClean="0">
-                <a:gradFill>
-                  <a:gsLst>
-                    <a:gs pos="0">
-                      <a:schemeClr val="tx1">
-                        <a:lumMod val="65000"/>
-                        <a:lumOff val="35000"/>
-                      </a:schemeClr>
-                    </a:gs>
-                    <a:gs pos="100000">
-                      <a:schemeClr val="tx1">
-                        <a:lumMod val="65000"/>
-                        <a:lumOff val="35000"/>
-                      </a:schemeClr>
-                    </a:gs>
-                  </a:gsLst>
-                  <a:lin ang="5400000" scaled="0"/>
-                </a:gradFill>
-                <a:latin typeface="Arial" pitchFamily="34" charset="0"/>
-                <a:cs typeface="Arial" pitchFamily="34" charset="0"/>
-              </a:rPr>
-              <a:t>Python</a:t>
+              <a:t> Python</a:t>
             </a:r>
             <a:r>
               <a:rPr lang="ko-KR" altLang="en-US" sz="1400" dirty="0" smtClean="0">
@@ -26324,31 +26014,7 @@
                 <a:latin typeface="Arial" pitchFamily="34" charset="0"/>
                 <a:cs typeface="Arial" pitchFamily="34" charset="0"/>
               </a:rPr>
-              <a:t>■ </a:t>
-            </a:r>
-            <a:r>
-              <a:rPr lang="ko-KR" altLang="en-US" sz="1200" dirty="0" smtClean="0">
-                <a:gradFill>
-                  <a:gsLst>
-                    <a:gs pos="0">
-                      <a:schemeClr val="tx1">
-                        <a:lumMod val="65000"/>
-                        <a:lumOff val="35000"/>
-                      </a:schemeClr>
-                    </a:gs>
-                    <a:gs pos="100000">
-                      <a:schemeClr val="tx1">
-                        <a:lumMod val="65000"/>
-                        <a:lumOff val="35000"/>
-                      </a:schemeClr>
-                    </a:gs>
-                  </a:gsLst>
-                  <a:lin ang="5400000" scaled="0"/>
-                </a:gradFill>
-                <a:latin typeface="Arial" pitchFamily="34" charset="0"/>
-                <a:cs typeface="Arial" pitchFamily="34" charset="0"/>
-              </a:rPr>
-              <a:t>꼭지점 더하기</a:t>
+              <a:t>■ 꼭지점 더하기</a:t>
             </a:r>
             <a:endParaRPr lang="ko-KR" altLang="en-US" sz="1200" dirty="0">
               <a:gradFill>
@@ -26662,31 +26328,7 @@
                 <a:latin typeface="Arial" pitchFamily="34" charset="0"/>
                 <a:cs typeface="Arial" pitchFamily="34" charset="0"/>
               </a:rPr>
-              <a:t> </a:t>
-            </a:r>
-            <a:r>
-              <a:rPr lang="en-US" altLang="ko-KR" sz="1400" dirty="0" smtClean="0">
-                <a:gradFill>
-                  <a:gsLst>
-                    <a:gs pos="0">
-                      <a:schemeClr val="tx1">
-                        <a:lumMod val="65000"/>
-                        <a:lumOff val="35000"/>
-                      </a:schemeClr>
-                    </a:gs>
-                    <a:gs pos="100000">
-                      <a:schemeClr val="tx1">
-                        <a:lumMod val="65000"/>
-                        <a:lumOff val="35000"/>
-                      </a:schemeClr>
-                    </a:gs>
-                  </a:gsLst>
-                  <a:lin ang="5400000" scaled="0"/>
-                </a:gradFill>
-                <a:latin typeface="Arial" pitchFamily="34" charset="0"/>
-                <a:cs typeface="Arial" pitchFamily="34" charset="0"/>
-              </a:rPr>
-              <a:t>Python</a:t>
+              <a:t> Python</a:t>
             </a:r>
             <a:r>
               <a:rPr lang="ko-KR" altLang="en-US" sz="1400" dirty="0" smtClean="0">
@@ -27062,31 +26704,7 @@
                 <a:latin typeface="Arial" pitchFamily="34" charset="0"/>
                 <a:cs typeface="Arial" pitchFamily="34" charset="0"/>
               </a:rPr>
-              <a:t>■ </a:t>
-            </a:r>
-            <a:r>
-              <a:rPr lang="ko-KR" altLang="en-US" sz="1200" dirty="0" smtClean="0">
-                <a:gradFill>
-                  <a:gsLst>
-                    <a:gs pos="0">
-                      <a:schemeClr val="tx1">
-                        <a:lumMod val="65000"/>
-                        <a:lumOff val="35000"/>
-                      </a:schemeClr>
-                    </a:gs>
-                    <a:gs pos="100000">
-                      <a:schemeClr val="tx1">
-                        <a:lumMod val="65000"/>
-                        <a:lumOff val="35000"/>
-                      </a:schemeClr>
-                    </a:gs>
-                  </a:gsLst>
-                  <a:lin ang="5400000" scaled="0"/>
-                </a:gradFill>
-                <a:latin typeface="Arial" pitchFamily="34" charset="0"/>
-                <a:cs typeface="Arial" pitchFamily="34" charset="0"/>
-              </a:rPr>
-              <a:t>레이블 생성하기</a:t>
+              <a:t>■ 레이블 생성하기</a:t>
             </a:r>
             <a:endParaRPr lang="ko-KR" altLang="en-US" sz="1200" dirty="0">
               <a:gradFill>
@@ -27400,31 +27018,7 @@
                 <a:latin typeface="Arial" pitchFamily="34" charset="0"/>
                 <a:cs typeface="Arial" pitchFamily="34" charset="0"/>
               </a:rPr>
-              <a:t> </a:t>
-            </a:r>
-            <a:r>
-              <a:rPr lang="en-US" altLang="ko-KR" sz="1400" dirty="0" smtClean="0">
-                <a:gradFill>
-                  <a:gsLst>
-                    <a:gs pos="0">
-                      <a:schemeClr val="tx1">
-                        <a:lumMod val="65000"/>
-                        <a:lumOff val="35000"/>
-                      </a:schemeClr>
-                    </a:gs>
-                    <a:gs pos="100000">
-                      <a:schemeClr val="tx1">
-                        <a:lumMod val="65000"/>
-                        <a:lumOff val="35000"/>
-                      </a:schemeClr>
-                    </a:gs>
-                  </a:gsLst>
-                  <a:lin ang="5400000" scaled="0"/>
-                </a:gradFill>
-                <a:latin typeface="Arial" pitchFamily="34" charset="0"/>
-                <a:cs typeface="Arial" pitchFamily="34" charset="0"/>
-              </a:rPr>
-              <a:t>Python</a:t>
+              <a:t> Python</a:t>
             </a:r>
             <a:r>
               <a:rPr lang="ko-KR" altLang="en-US" sz="1400" dirty="0" smtClean="0">
@@ -28254,31 +27848,7 @@
                 <a:latin typeface="Arial" pitchFamily="34" charset="0"/>
                 <a:cs typeface="Arial" pitchFamily="34" charset="0"/>
               </a:rPr>
-              <a:t>아래 </a:t>
-            </a:r>
-            <a:r>
-              <a:rPr lang="ko-KR" altLang="en-US" sz="1200" dirty="0" smtClean="0">
-                <a:gradFill>
-                  <a:gsLst>
-                    <a:gs pos="0">
-                      <a:schemeClr val="tx1">
-                        <a:lumMod val="65000"/>
-                        <a:lumOff val="35000"/>
-                      </a:schemeClr>
-                    </a:gs>
-                    <a:gs pos="100000">
-                      <a:schemeClr val="tx1">
-                        <a:lumMod val="65000"/>
-                        <a:lumOff val="35000"/>
-                      </a:schemeClr>
-                    </a:gs>
-                  </a:gsLst>
-                  <a:lin ang="5400000" scaled="0"/>
-                </a:gradFill>
-                <a:latin typeface="Arial" pitchFamily="34" charset="0"/>
-                <a:cs typeface="Arial" pitchFamily="34" charset="0"/>
-              </a:rPr>
-              <a:t>데이터를 바탕으로</a:t>
+              <a:t>아래 데이터를 바탕으로</a:t>
             </a:r>
             <a:r>
               <a:rPr lang="en-US" altLang="ko-KR" sz="1200" dirty="0" smtClean="0">
